--- a/notes/Python  Tut-02.pptx
+++ b/notes/Python  Tut-02.pptx
@@ -14,7 +14,6 @@
     <p:sldId id="262" r:id="rId8"/>
     <p:sldId id="263" r:id="rId9"/>
     <p:sldId id="264" r:id="rId10"/>
-    <p:sldId id="265" r:id="rId11"/>
   </p:sldIdLst>
   <p:sldSz cx="12192000" cy="6858000"/>
   <p:notesSz cx="6858000" cy="9144000"/>
@@ -252,7 +251,7 @@
           <a:p>
             <a:fld id="{6B204C76-62AF-4A47-BD74-85C08E4F921E}" type="datetimeFigureOut">
               <a:rPr lang="en-IN" smtClean="0"/>
-              <a:t>22-06-2024</a:t>
+              <a:t>10-09-2024</a:t>
             </a:fld>
             <a:endParaRPr lang="en-IN"/>
           </a:p>
@@ -422,7 +421,7 @@
           <a:p>
             <a:fld id="{6B204C76-62AF-4A47-BD74-85C08E4F921E}" type="datetimeFigureOut">
               <a:rPr lang="en-IN" smtClean="0"/>
-              <a:t>22-06-2024</a:t>
+              <a:t>10-09-2024</a:t>
             </a:fld>
             <a:endParaRPr lang="en-IN"/>
           </a:p>
@@ -602,7 +601,7 @@
           <a:p>
             <a:fld id="{6B204C76-62AF-4A47-BD74-85C08E4F921E}" type="datetimeFigureOut">
               <a:rPr lang="en-IN" smtClean="0"/>
-              <a:t>22-06-2024</a:t>
+              <a:t>10-09-2024</a:t>
             </a:fld>
             <a:endParaRPr lang="en-IN"/>
           </a:p>
@@ -772,7 +771,7 @@
           <a:p>
             <a:fld id="{6B204C76-62AF-4A47-BD74-85C08E4F921E}" type="datetimeFigureOut">
               <a:rPr lang="en-IN" smtClean="0"/>
-              <a:t>22-06-2024</a:t>
+              <a:t>10-09-2024</a:t>
             </a:fld>
             <a:endParaRPr lang="en-IN"/>
           </a:p>
@@ -1018,7 +1017,7 @@
           <a:p>
             <a:fld id="{6B204C76-62AF-4A47-BD74-85C08E4F921E}" type="datetimeFigureOut">
               <a:rPr lang="en-IN" smtClean="0"/>
-              <a:t>22-06-2024</a:t>
+              <a:t>10-09-2024</a:t>
             </a:fld>
             <a:endParaRPr lang="en-IN"/>
           </a:p>
@@ -1250,7 +1249,7 @@
           <a:p>
             <a:fld id="{6B204C76-62AF-4A47-BD74-85C08E4F921E}" type="datetimeFigureOut">
               <a:rPr lang="en-IN" smtClean="0"/>
-              <a:t>22-06-2024</a:t>
+              <a:t>10-09-2024</a:t>
             </a:fld>
             <a:endParaRPr lang="en-IN"/>
           </a:p>
@@ -1617,7 +1616,7 @@
           <a:p>
             <a:fld id="{6B204C76-62AF-4A47-BD74-85C08E4F921E}" type="datetimeFigureOut">
               <a:rPr lang="en-IN" smtClean="0"/>
-              <a:t>22-06-2024</a:t>
+              <a:t>10-09-2024</a:t>
             </a:fld>
             <a:endParaRPr lang="en-IN"/>
           </a:p>
@@ -1735,7 +1734,7 @@
           <a:p>
             <a:fld id="{6B204C76-62AF-4A47-BD74-85C08E4F921E}" type="datetimeFigureOut">
               <a:rPr lang="en-IN" smtClean="0"/>
-              <a:t>22-06-2024</a:t>
+              <a:t>10-09-2024</a:t>
             </a:fld>
             <a:endParaRPr lang="en-IN"/>
           </a:p>
@@ -1830,7 +1829,7 @@
           <a:p>
             <a:fld id="{6B204C76-62AF-4A47-BD74-85C08E4F921E}" type="datetimeFigureOut">
               <a:rPr lang="en-IN" smtClean="0"/>
-              <a:t>22-06-2024</a:t>
+              <a:t>10-09-2024</a:t>
             </a:fld>
             <a:endParaRPr lang="en-IN"/>
           </a:p>
@@ -2107,7 +2106,7 @@
           <a:p>
             <a:fld id="{6B204C76-62AF-4A47-BD74-85C08E4F921E}" type="datetimeFigureOut">
               <a:rPr lang="en-IN" smtClean="0"/>
-              <a:t>22-06-2024</a:t>
+              <a:t>10-09-2024</a:t>
             </a:fld>
             <a:endParaRPr lang="en-IN"/>
           </a:p>
@@ -2360,7 +2359,7 @@
           <a:p>
             <a:fld id="{6B204C76-62AF-4A47-BD74-85C08E4F921E}" type="datetimeFigureOut">
               <a:rPr lang="en-IN" smtClean="0"/>
-              <a:t>22-06-2024</a:t>
+              <a:t>10-09-2024</a:t>
             </a:fld>
             <a:endParaRPr lang="en-IN"/>
           </a:p>
@@ -2573,7 +2572,7 @@
           <a:p>
             <a:fld id="{6B204C76-62AF-4A47-BD74-85C08E4F921E}" type="datetimeFigureOut">
               <a:rPr lang="en-IN" smtClean="0"/>
-              <a:t>22-06-2024</a:t>
+              <a:t>10-09-2024</a:t>
             </a:fld>
             <a:endParaRPr lang="en-IN"/>
           </a:p>
@@ -3064,198 +3063,6 @@
 </p:sld>
 </file>
 
-<file path=ppt/slides/slide10.xml><?xml version="1.0" encoding="utf-8"?>
-<p:sld xmlns:a="http://schemas.openxmlformats.org/drawingml/2006/main" xmlns:r="http://schemas.openxmlformats.org/officeDocument/2006/relationships" xmlns:p="http://schemas.openxmlformats.org/presentationml/2006/main">
-  <p:cSld>
-    <p:spTree>
-      <p:nvGrpSpPr>
-        <p:cNvPr id="1" name=""/>
-        <p:cNvGrpSpPr/>
-        <p:nvPr/>
-      </p:nvGrpSpPr>
-      <p:grpSpPr>
-        <a:xfrm>
-          <a:off x="0" y="0"/>
-          <a:ext cx="0" cy="0"/>
-          <a:chOff x="0" y="0"/>
-          <a:chExt cx="0" cy="0"/>
-        </a:xfrm>
-      </p:grpSpPr>
-      <p:sp>
-        <p:nvSpPr>
-          <p:cNvPr id="2" name="Title 1"/>
-          <p:cNvSpPr>
-            <a:spLocks noGrp="1"/>
-          </p:cNvSpPr>
-          <p:nvPr>
-            <p:ph type="title"/>
-          </p:nvPr>
-        </p:nvSpPr>
-        <p:spPr/>
-        <p:txBody>
-          <a:bodyPr>
-            <a:normAutofit/>
-          </a:bodyPr>
-          <a:lstStyle/>
-          <a:p>
-            <a:r>
-              <a:rPr lang="en-IN" dirty="0" smtClean="0"/>
-              <a:t>Continued..</a:t>
-            </a:r>
-            <a:endParaRPr lang="en-IN" dirty="0"/>
-          </a:p>
-        </p:txBody>
-      </p:sp>
-      <p:sp>
-        <p:nvSpPr>
-          <p:cNvPr id="11" name="Rectangle 6"/>
-          <p:cNvSpPr>
-            <a:spLocks noGrp="1" noChangeArrowheads="1"/>
-          </p:cNvSpPr>
-          <p:nvPr>
-            <p:ph idx="1"/>
-          </p:nvPr>
-        </p:nvSpPr>
-        <p:spPr bwMode="auto">
-          <a:xfrm>
-            <a:off x="838200" y="1332336"/>
-            <a:ext cx="10596154" cy="2583271"/>
-          </a:xfrm>
-          <a:prstGeom prst="rect">
-            <a:avLst/>
-          </a:prstGeom>
-          <a:solidFill>
-            <a:srgbClr val="FFFFFF"/>
-          </a:solidFill>
-          <a:ln>
-            <a:noFill/>
-          </a:ln>
-          <a:effectLst/>
-          <a:extLst>
-            <a:ext uri="{91240B29-F687-4F45-9708-019B960494DF}">
-              <a14:hiddenLine xmlns:a14="http://schemas.microsoft.com/office/drawing/2010/main" w="9525">
-                <a:solidFill>
-                  <a:schemeClr val="tx1"/>
-                </a:solidFill>
-                <a:miter lim="800000"/>
-                <a:headEnd/>
-                <a:tailEnd/>
-              </a14:hiddenLine>
-            </a:ext>
-            <a:ext uri="{AF507438-7753-43E0-B8FC-AC1667EBCBE1}">
-              <a14:hiddenEffects xmlns:a14="http://schemas.microsoft.com/office/drawing/2010/main">
-                <a:effectLst>
-                  <a:outerShdw dist="35921" dir="2700000" algn="ctr" rotWithShape="0">
-                    <a:schemeClr val="bg2"/>
-                  </a:outerShdw>
-                </a:effectLst>
-              </a14:hiddenEffects>
-            </a:ext>
-          </a:extLst>
-        </p:spPr>
-        <p:txBody>
-          <a:bodyPr vert="horz" wrap="square" lIns="0" tIns="0" rIns="0" bIns="0" numCol="1" anchor="ctr" anchorCtr="0" compatLnSpc="1">
-            <a:prstTxWarp prst="textNoShape">
-              <a:avLst/>
-            </a:prstTxWarp>
-            <a:spAutoFit/>
-          </a:bodyPr>
-          <a:lstStyle/>
-          <a:p>
-            <a:pPr marR="0" lvl="0" algn="just" fontAlgn="base">
-              <a:spcAft>
-                <a:spcPct val="0"/>
-              </a:spcAft>
-              <a:buClrTx/>
-              <a:buSzTx/>
-              <a:tabLst/>
-            </a:pPr>
-            <a:r>
-              <a:rPr lang="en-US" altLang="en-US" dirty="0"/>
-              <a:t>If you see the following output from the Command Prompt after typing the python command:</a:t>
-            </a:r>
-          </a:p>
-          <a:p>
-            <a:pPr marL="0" marR="0" lvl="0" indent="0" algn="just" fontAlgn="base">
-              <a:spcAft>
-                <a:spcPct val="0"/>
-              </a:spcAft>
-              <a:buClrTx/>
-              <a:buSzTx/>
-              <a:buNone/>
-              <a:tabLst/>
-            </a:pPr>
-            <a:r>
-              <a:rPr lang="en-US" altLang="en-US" dirty="0" smtClean="0"/>
-              <a:t>    'python</a:t>
-            </a:r>
-            <a:r>
-              <a:rPr lang="en-US" altLang="en-US" dirty="0"/>
-              <a:t>' is not recognized as an internal or external command, </a:t>
-            </a:r>
-            <a:r>
-              <a:rPr lang="en-US" altLang="en-US" dirty="0" smtClean="0"/>
-              <a:t>   operable </a:t>
-            </a:r>
-            <a:r>
-              <a:rPr lang="en-US" altLang="en-US" dirty="0"/>
-              <a:t>program or batch file</a:t>
-            </a:r>
-            <a:r>
-              <a:rPr lang="en-US" altLang="en-US" dirty="0" smtClean="0"/>
-              <a:t>.</a:t>
-            </a:r>
-          </a:p>
-          <a:p>
-            <a:pPr marL="0" marR="0" lvl="0" indent="0" algn="just" fontAlgn="base">
-              <a:spcAft>
-                <a:spcPct val="0"/>
-              </a:spcAft>
-              <a:buClrTx/>
-              <a:buSzTx/>
-              <a:buNone/>
-              <a:tabLst/>
-            </a:pPr>
-            <a:r>
-              <a:rPr lang="en-GB" dirty="0"/>
-              <a:t>Likely, you didn’t check the </a:t>
-            </a:r>
-            <a:r>
-              <a:rPr lang="en-GB" b="1" dirty="0"/>
-              <a:t>Add Python 3.8 to PATH</a:t>
-            </a:r>
-            <a:r>
-              <a:rPr lang="en-GB" dirty="0"/>
-              <a:t> checkbox when you install Python.</a:t>
-            </a:r>
-            <a:r>
-              <a:rPr lang="en-US" altLang="en-US" dirty="0" smtClean="0"/>
-              <a:t> </a:t>
-            </a:r>
-            <a:endParaRPr lang="en-US" altLang="en-US" dirty="0"/>
-          </a:p>
-        </p:txBody>
-      </p:sp>
-    </p:spTree>
-    <p:extLst>
-      <p:ext uri="{BB962C8B-B14F-4D97-AF65-F5344CB8AC3E}">
-        <p14:creationId xmlns:p14="http://schemas.microsoft.com/office/powerpoint/2010/main" val="3894375187"/>
-      </p:ext>
-    </p:extLst>
-  </p:cSld>
-  <p:clrMapOvr>
-    <a:masterClrMapping/>
-  </p:clrMapOvr>
-  <p:timing>
-    <p:tnLst>
-      <p:par>
-        <p:cTn id="1" dur="indefinite" restart="never" nodeType="tmRoot"/>
-      </p:par>
-    </p:tnLst>
-  </p:timing>
-</p:sld>
-</file>
-
 <file path=ppt/slides/slide2.xml><?xml version="1.0" encoding="utf-8"?>
 <p:sld xmlns:a="http://schemas.openxmlformats.org/drawingml/2006/main" xmlns:r="http://schemas.openxmlformats.org/officeDocument/2006/relationships" xmlns:p="http://schemas.openxmlformats.org/presentationml/2006/main">
   <p:cSld>
